--- a/presentation/process-manager.pptx
+++ b/presentation/process-manager.pptx
@@ -5,18 +5,20 @@
     <p:sldMasterId id="2147483965" r:id="rId1"/>
   </p:sldMasterIdLst>
   <p:notesMasterIdLst>
-    <p:notesMasterId r:id="rId8"/>
+    <p:notesMasterId r:id="rId10"/>
   </p:notesMasterIdLst>
   <p:handoutMasterIdLst>
-    <p:handoutMasterId r:id="rId9"/>
+    <p:handoutMasterId r:id="rId11"/>
   </p:handoutMasterIdLst>
   <p:sldIdLst>
     <p:sldId id="262" r:id="rId2"/>
     <p:sldId id="258" r:id="rId3"/>
     <p:sldId id="259" r:id="rId4"/>
-    <p:sldId id="260" r:id="rId5"/>
-    <p:sldId id="261" r:id="rId6"/>
-    <p:sldId id="263" r:id="rId7"/>
+    <p:sldId id="265" r:id="rId5"/>
+    <p:sldId id="267" r:id="rId6"/>
+    <p:sldId id="260" r:id="rId7"/>
+    <p:sldId id="261" r:id="rId8"/>
+    <p:sldId id="263" r:id="rId9"/>
   </p:sldIdLst>
   <p:sldSz cx="12192000" cy="6858000"/>
   <p:notesSz cx="6858000" cy="9144000"/>
@@ -123,6 +125,8 @@
             <p14:sldId id="262"/>
             <p14:sldId id="258"/>
             <p14:sldId id="259"/>
+            <p14:sldId id="265"/>
+            <p14:sldId id="267"/>
             <p14:sldId id="260"/>
             <p14:sldId id="261"/>
             <p14:sldId id="263"/>
@@ -224,7 +228,7 @@
             <a:pPr rtl="0"/>
             <a:fld id="{1E51D080-0FA4-452C-BE9C-57B885F95115}" type="datetime1">
               <a:rPr lang="ru-RU" smtClean="0"/>
-              <a:t>27.11.2022</a:t>
+              <a:t>28.11.2022</a:t>
             </a:fld>
             <a:endParaRPr lang="en-US" dirty="0"/>
           </a:p>
@@ -394,7 +398,7 @@
             <a:pPr rtl="0"/>
             <a:fld id="{A68A2903-BD5A-4833-B0CA-AB5B8165171B}" type="datetime1">
               <a:rPr lang="ru-RU" smtClean="0"/>
-              <a:t>27.11.2022</a:t>
+              <a:t>28.11.2022</a:t>
             </a:fld>
             <a:endParaRPr lang="en-US"/>
           </a:p>
@@ -854,7 +858,7 @@
             <a:pPr rtl="0"/>
             <a:fld id="{8D4DAEB3-2211-4CA3-9D23-0143FCF3926F}" type="datetime1">
               <a:rPr lang="ru-RU" smtClean="0"/>
-              <a:t>27.11.2022</a:t>
+              <a:t>28.11.2022</a:t>
             </a:fld>
             <a:endParaRPr lang="en-US" dirty="0"/>
           </a:p>
@@ -1131,7 +1135,7 @@
           <a:p>
             <a:fld id="{428A7F57-8526-4A03-89D8-FFB0245E6649}" type="datetime1">
               <a:rPr lang="ru-RU" smtClean="0"/>
-              <a:t>27.11.2022</a:t>
+              <a:t>28.11.2022</a:t>
             </a:fld>
             <a:endParaRPr lang="en-US" dirty="0"/>
           </a:p>
@@ -1327,7 +1331,7 @@
           <a:p>
             <a:fld id="{428A7F57-8526-4A03-89D8-FFB0245E6649}" type="datetime1">
               <a:rPr lang="ru-RU" smtClean="0"/>
-              <a:t>27.11.2022</a:t>
+              <a:t>28.11.2022</a:t>
             </a:fld>
             <a:endParaRPr lang="en-US" dirty="0"/>
           </a:p>
@@ -1602,7 +1606,7 @@
           <a:p>
             <a:fld id="{428A7F57-8526-4A03-89D8-FFB0245E6649}" type="datetime1">
               <a:rPr lang="ru-RU" smtClean="0"/>
-              <a:t>27.11.2022</a:t>
+              <a:t>28.11.2022</a:t>
             </a:fld>
             <a:endParaRPr lang="en-US" dirty="0"/>
           </a:p>
@@ -1945,7 +1949,7 @@
           <a:p>
             <a:fld id="{428A7F57-8526-4A03-89D8-FFB0245E6649}" type="datetime1">
               <a:rPr lang="ru-RU" smtClean="0"/>
-              <a:t>27.11.2022</a:t>
+              <a:t>28.11.2022</a:t>
             </a:fld>
             <a:endParaRPr lang="en-US" dirty="0"/>
           </a:p>
@@ -2570,7 +2574,7 @@
           <a:p>
             <a:fld id="{428A7F57-8526-4A03-89D8-FFB0245E6649}" type="datetime1">
               <a:rPr lang="ru-RU" smtClean="0"/>
-              <a:t>27.11.2022</a:t>
+              <a:t>28.11.2022</a:t>
             </a:fld>
             <a:endParaRPr lang="en-US" dirty="0"/>
           </a:p>
@@ -3432,7 +3436,7 @@
           <a:p>
             <a:fld id="{428A7F57-8526-4A03-89D8-FFB0245E6649}" type="datetime1">
               <a:rPr lang="ru-RU" smtClean="0"/>
-              <a:t>27.11.2022</a:t>
+              <a:t>28.11.2022</a:t>
             </a:fld>
             <a:endParaRPr lang="en-US" dirty="0"/>
           </a:p>
@@ -3605,7 +3609,7 @@
             <a:pPr rtl="0"/>
             <a:fld id="{A82E9B35-0826-45CC-9C2C-707B22DFAA83}" type="datetime1">
               <a:rPr lang="ru-RU" smtClean="0"/>
-              <a:t>27.11.2022</a:t>
+              <a:t>28.11.2022</a:t>
             </a:fld>
             <a:endParaRPr lang="en-US" dirty="0"/>
           </a:p>
@@ -3788,7 +3792,7 @@
             <a:pPr rtl="0"/>
             <a:fld id="{74C0063D-EDF2-4190-A726-B9B651F864E7}" type="datetime1">
               <a:rPr lang="ru-RU" smtClean="0"/>
-              <a:t>27.11.2022</a:t>
+              <a:t>28.11.2022</a:t>
             </a:fld>
             <a:endParaRPr lang="en-US" dirty="0"/>
           </a:p>
@@ -3961,7 +3965,7 @@
             <a:pPr rtl="0"/>
             <a:fld id="{BE289488-0C23-4DC8-A9FA-240659547385}" type="datetime1">
               <a:rPr lang="ru-RU" smtClean="0"/>
-              <a:t>27.11.2022</a:t>
+              <a:t>28.11.2022</a:t>
             </a:fld>
             <a:endParaRPr lang="en-US" dirty="0"/>
           </a:p>
@@ -4211,7 +4215,7 @@
             <a:pPr rtl="0"/>
             <a:fld id="{33EFA117-2261-4A1D-8BE7-0B7E6A1366C0}" type="datetime1">
               <a:rPr lang="ru-RU" smtClean="0"/>
-              <a:t>27.11.2022</a:t>
+              <a:t>28.11.2022</a:t>
             </a:fld>
             <a:endParaRPr lang="en-US" dirty="0"/>
           </a:p>
@@ -4506,7 +4510,7 @@
             <a:pPr rtl="0"/>
             <a:fld id="{659279E9-B6DA-4AB3-A7CE-B748E56BEA69}" type="datetime1">
               <a:rPr lang="ru-RU" smtClean="0"/>
-              <a:t>27.11.2022</a:t>
+              <a:t>28.11.2022</a:t>
             </a:fld>
             <a:endParaRPr lang="en-US" dirty="0"/>
           </a:p>
@@ -4953,7 +4957,7 @@
             <a:pPr rtl="0"/>
             <a:fld id="{17CF7452-61A3-4CDC-ACAB-74E5B4A7EF57}" type="datetime1">
               <a:rPr lang="ru-RU" smtClean="0"/>
-              <a:t>27.11.2022</a:t>
+              <a:t>28.11.2022</a:t>
             </a:fld>
             <a:endParaRPr lang="en-US" dirty="0"/>
           </a:p>
@@ -5074,7 +5078,7 @@
             <a:pPr rtl="0"/>
             <a:fld id="{E4D00952-BE77-47A2-BE29-2226E2D6BB12}" type="datetime1">
               <a:rPr lang="ru-RU" smtClean="0"/>
-              <a:t>27.11.2022</a:t>
+              <a:t>28.11.2022</a:t>
             </a:fld>
             <a:endParaRPr lang="en-US" dirty="0"/>
           </a:p>
@@ -5172,7 +5176,7 @@
             <a:pPr rtl="0"/>
             <a:fld id="{14D5EF43-AECB-4459-AE90-3AFB54138C76}" type="datetime1">
               <a:rPr lang="ru-RU" smtClean="0"/>
-              <a:t>27.11.2022</a:t>
+              <a:t>28.11.2022</a:t>
             </a:fld>
             <a:endParaRPr lang="en-US" dirty="0"/>
           </a:p>
@@ -5454,7 +5458,7 @@
             <a:pPr rtl="0"/>
             <a:fld id="{FD0FAC8F-653F-479B-B209-9F30C9091843}" type="datetime1">
               <a:rPr lang="ru-RU" smtClean="0"/>
-              <a:t>27.11.2022</a:t>
+              <a:t>28.11.2022</a:t>
             </a:fld>
             <a:endParaRPr lang="en-US" dirty="0"/>
           </a:p>
@@ -5733,7 +5737,7 @@
             <a:pPr rtl="0"/>
             <a:fld id="{36FD9FC9-5FD1-4E3B-B719-212F55599717}" type="datetime1">
               <a:rPr lang="ru-RU" smtClean="0"/>
-              <a:t>27.11.2022</a:t>
+              <a:t>28.11.2022</a:t>
             </a:fld>
             <a:endParaRPr lang="en-US" dirty="0"/>
           </a:p>
@@ -6164,7 +6168,7 @@
           <a:p>
             <a:fld id="{428A7F57-8526-4A03-89D8-FFB0245E6649}" type="datetime1">
               <a:rPr lang="ru-RU" smtClean="0"/>
-              <a:t>27.11.2022</a:t>
+              <a:t>28.11.2022</a:t>
             </a:fld>
             <a:endParaRPr lang="en-US" dirty="0"/>
           </a:p>
@@ -7351,11 +7355,15 @@
           </a:p>
           <a:p>
             <a:r>
-              <a:rPr lang="uk-UA" sz="2800" dirty="0"/>
+              <a:rPr lang="uk-UA" sz="2800"/>
+              <a:t>Функції менеджера процесів</a:t>
+            </a:r>
+          </a:p>
+          <a:p>
+            <a:r>
+              <a:rPr lang="uk-UA" sz="2800"/>
               <a:t>Результат</a:t>
             </a:r>
-          </a:p>
-          <a:p>
             <a:endParaRPr lang="ru-UA" dirty="0"/>
           </a:p>
         </p:txBody>
@@ -7642,6 +7650,889 @@
 </file>
 
 <file path=ppt/slides/slide4.xml><?xml version="1.0" encoding="utf-8"?>
+<p:sld xmlns:a="http://schemas.openxmlformats.org/drawingml/2006/main" xmlns:r="http://schemas.openxmlformats.org/officeDocument/2006/relationships" xmlns:p="http://schemas.openxmlformats.org/presentationml/2006/main">
+  <p:cSld>
+    <p:spTree>
+      <p:nvGrpSpPr>
+        <p:cNvPr id="1" name=""/>
+        <p:cNvGrpSpPr/>
+        <p:nvPr/>
+      </p:nvGrpSpPr>
+      <p:grpSpPr>
+        <a:xfrm>
+          <a:off x="0" y="0"/>
+          <a:ext cx="0" cy="0"/>
+          <a:chOff x="0" y="0"/>
+          <a:chExt cx="0" cy="0"/>
+        </a:xfrm>
+      </p:grpSpPr>
+      <p:sp>
+        <p:nvSpPr>
+          <p:cNvPr id="2" name="Заголовок 1">
+            <a:extLst>
+              <a:ext uri="{FF2B5EF4-FFF2-40B4-BE49-F238E27FC236}">
+                <a16:creationId xmlns:a16="http://schemas.microsoft.com/office/drawing/2014/main" id="{B336AD3E-B89B-89CA-1AF1-10EFB2977086}"/>
+              </a:ext>
+            </a:extLst>
+          </p:cNvPr>
+          <p:cNvSpPr>
+            <a:spLocks noGrp="1"/>
+          </p:cNvSpPr>
+          <p:nvPr>
+            <p:ph type="title"/>
+          </p:nvPr>
+        </p:nvSpPr>
+        <p:spPr/>
+        <p:txBody>
+          <a:bodyPr/>
+          <a:lstStyle/>
+          <a:p>
+            <a:r>
+              <a:rPr lang="uk-UA" dirty="0"/>
+              <a:t>Функції менеджера процесів</a:t>
+            </a:r>
+          </a:p>
+        </p:txBody>
+      </p:sp>
+      <p:sp>
+        <p:nvSpPr>
+          <p:cNvPr id="3" name="Текст 2">
+            <a:extLst>
+              <a:ext uri="{FF2B5EF4-FFF2-40B4-BE49-F238E27FC236}">
+                <a16:creationId xmlns:a16="http://schemas.microsoft.com/office/drawing/2014/main" id="{93FE2A22-B42E-F859-5207-689E470EF274}"/>
+              </a:ext>
+            </a:extLst>
+          </p:cNvPr>
+          <p:cNvSpPr>
+            <a:spLocks noGrp="1"/>
+          </p:cNvSpPr>
+          <p:nvPr>
+            <p:ph type="body" idx="1"/>
+          </p:nvPr>
+        </p:nvSpPr>
+        <p:spPr/>
+        <p:txBody>
+          <a:bodyPr/>
+          <a:lstStyle/>
+          <a:p>
+            <a:r>
+              <a:rPr lang="en-US" dirty="0">
+                <a:solidFill>
+                  <a:srgbClr val="2B91AF"/>
+                </a:solidFill>
+                <a:latin typeface="Consolas" panose="020B0609020204030204" pitchFamily="49" charset="0"/>
+              </a:rPr>
+              <a:t>Process</a:t>
+            </a:r>
+            <a:r>
+              <a:rPr lang="en-US" dirty="0">
+                <a:solidFill>
+                  <a:srgbClr val="000000"/>
+                </a:solidFill>
+                <a:latin typeface="Consolas" panose="020B0609020204030204" pitchFamily="49" charset="0"/>
+              </a:rPr>
+              <a:t>::stop()</a:t>
+            </a:r>
+            <a:endParaRPr lang="uk-UA" sz="3200" dirty="0"/>
+          </a:p>
+        </p:txBody>
+      </p:sp>
+      <p:sp>
+        <p:nvSpPr>
+          <p:cNvPr id="4" name="Текст 3">
+            <a:extLst>
+              <a:ext uri="{FF2B5EF4-FFF2-40B4-BE49-F238E27FC236}">
+                <a16:creationId xmlns:a16="http://schemas.microsoft.com/office/drawing/2014/main" id="{6E50BDBE-663C-524D-7734-3A0AA37668B6}"/>
+              </a:ext>
+            </a:extLst>
+          </p:cNvPr>
+          <p:cNvSpPr>
+            <a:spLocks noGrp="1"/>
+          </p:cNvSpPr>
+          <p:nvPr>
+            <p:ph type="body" sz="half" idx="15"/>
+          </p:nvPr>
+        </p:nvSpPr>
+        <p:spPr/>
+        <p:txBody>
+          <a:bodyPr>
+            <a:normAutofit/>
+          </a:bodyPr>
+          <a:lstStyle/>
+          <a:p>
+            <a:r>
+              <a:rPr lang="uk-UA" sz="2000" dirty="0"/>
+              <a:t>Зупиняє процес</a:t>
+            </a:r>
+          </a:p>
+        </p:txBody>
+      </p:sp>
+      <p:sp>
+        <p:nvSpPr>
+          <p:cNvPr id="5" name="Текст 4">
+            <a:extLst>
+              <a:ext uri="{FF2B5EF4-FFF2-40B4-BE49-F238E27FC236}">
+                <a16:creationId xmlns:a16="http://schemas.microsoft.com/office/drawing/2014/main" id="{48DA9B96-E671-6E67-0E11-569EC42A2942}"/>
+              </a:ext>
+            </a:extLst>
+          </p:cNvPr>
+          <p:cNvSpPr>
+            <a:spLocks noGrp="1"/>
+          </p:cNvSpPr>
+          <p:nvPr>
+            <p:ph type="body" sz="quarter" idx="3"/>
+          </p:nvPr>
+        </p:nvSpPr>
+        <p:spPr>
+          <a:xfrm>
+            <a:off x="3883659" y="1981200"/>
+            <a:ext cx="3054036" cy="576262"/>
+          </a:xfrm>
+        </p:spPr>
+        <p:txBody>
+          <a:bodyPr/>
+          <a:lstStyle/>
+          <a:p>
+            <a:r>
+              <a:rPr lang="en-US" dirty="0">
+                <a:solidFill>
+                  <a:srgbClr val="2B91AF"/>
+                </a:solidFill>
+                <a:latin typeface="Consolas" panose="020B0609020204030204" pitchFamily="49" charset="0"/>
+              </a:rPr>
+              <a:t>Process::resume() </a:t>
+            </a:r>
+            <a:endParaRPr lang="uk-UA" dirty="0">
+              <a:solidFill>
+                <a:srgbClr val="2B91AF"/>
+              </a:solidFill>
+              <a:latin typeface="Consolas" panose="020B0609020204030204" pitchFamily="49" charset="0"/>
+            </a:endParaRPr>
+          </a:p>
+        </p:txBody>
+      </p:sp>
+      <p:sp>
+        <p:nvSpPr>
+          <p:cNvPr id="6" name="Текст 5">
+            <a:extLst>
+              <a:ext uri="{FF2B5EF4-FFF2-40B4-BE49-F238E27FC236}">
+                <a16:creationId xmlns:a16="http://schemas.microsoft.com/office/drawing/2014/main" id="{6D45970D-8762-0E07-9878-88B511EECF08}"/>
+              </a:ext>
+            </a:extLst>
+          </p:cNvPr>
+          <p:cNvSpPr>
+            <a:spLocks noGrp="1"/>
+          </p:cNvSpPr>
+          <p:nvPr>
+            <p:ph type="body" sz="half" idx="16"/>
+          </p:nvPr>
+        </p:nvSpPr>
+        <p:spPr/>
+        <p:txBody>
+          <a:bodyPr/>
+          <a:lstStyle/>
+          <a:p>
+            <a:r>
+              <a:rPr lang="uk-UA" sz="2000" dirty="0"/>
+              <a:t>Відновлює процес</a:t>
+            </a:r>
+          </a:p>
+        </p:txBody>
+      </p:sp>
+      <p:sp>
+        <p:nvSpPr>
+          <p:cNvPr id="7" name="Текст 6">
+            <a:extLst>
+              <a:ext uri="{FF2B5EF4-FFF2-40B4-BE49-F238E27FC236}">
+                <a16:creationId xmlns:a16="http://schemas.microsoft.com/office/drawing/2014/main" id="{9B09EAE6-5B1B-2C5A-0C5B-F64EF1A37EB0}"/>
+              </a:ext>
+            </a:extLst>
+          </p:cNvPr>
+          <p:cNvSpPr>
+            <a:spLocks noGrp="1"/>
+          </p:cNvSpPr>
+          <p:nvPr>
+            <p:ph type="body" sz="quarter" idx="13"/>
+          </p:nvPr>
+        </p:nvSpPr>
+        <p:spPr>
+          <a:xfrm>
+            <a:off x="7124700" y="1981200"/>
+            <a:ext cx="3269260" cy="576262"/>
+          </a:xfrm>
+        </p:spPr>
+        <p:txBody>
+          <a:bodyPr/>
+          <a:lstStyle/>
+          <a:p>
+            <a:r>
+              <a:rPr lang="en-US" dirty="0">
+                <a:solidFill>
+                  <a:srgbClr val="2B91AF"/>
+                </a:solidFill>
+                <a:latin typeface="Consolas" panose="020B0609020204030204" pitchFamily="49" charset="0"/>
+              </a:rPr>
+              <a:t>Process::restart()</a:t>
+            </a:r>
+            <a:endParaRPr lang="uk-UA" dirty="0">
+              <a:solidFill>
+                <a:srgbClr val="2B91AF"/>
+              </a:solidFill>
+              <a:latin typeface="Consolas" panose="020B0609020204030204" pitchFamily="49" charset="0"/>
+            </a:endParaRPr>
+          </a:p>
+        </p:txBody>
+      </p:sp>
+      <p:sp>
+        <p:nvSpPr>
+          <p:cNvPr id="8" name="Текст 7">
+            <a:extLst>
+              <a:ext uri="{FF2B5EF4-FFF2-40B4-BE49-F238E27FC236}">
+                <a16:creationId xmlns:a16="http://schemas.microsoft.com/office/drawing/2014/main" id="{86E4E8B9-49AC-7485-0648-CB5009132B91}"/>
+              </a:ext>
+            </a:extLst>
+          </p:cNvPr>
+          <p:cNvSpPr>
+            <a:spLocks noGrp="1"/>
+          </p:cNvSpPr>
+          <p:nvPr>
+            <p:ph type="body" sz="half" idx="17"/>
+          </p:nvPr>
+        </p:nvSpPr>
+        <p:spPr/>
+        <p:txBody>
+          <a:bodyPr/>
+          <a:lstStyle/>
+          <a:p>
+            <a:r>
+              <a:rPr lang="uk-UA" sz="2000" dirty="0"/>
+              <a:t>Перезапускає процес</a:t>
+            </a:r>
+          </a:p>
+        </p:txBody>
+      </p:sp>
+      <p:sp>
+        <p:nvSpPr>
+          <p:cNvPr id="9" name="Дата 8">
+            <a:extLst>
+              <a:ext uri="{FF2B5EF4-FFF2-40B4-BE49-F238E27FC236}">
+                <a16:creationId xmlns:a16="http://schemas.microsoft.com/office/drawing/2014/main" id="{EBD44DF7-7CD4-B945-C49A-06AF55F27689}"/>
+              </a:ext>
+            </a:extLst>
+          </p:cNvPr>
+          <p:cNvSpPr>
+            <a:spLocks noGrp="1"/>
+          </p:cNvSpPr>
+          <p:nvPr>
+            <p:ph type="dt" sz="half" idx="10"/>
+          </p:nvPr>
+        </p:nvSpPr>
+        <p:spPr/>
+        <p:txBody>
+          <a:bodyPr/>
+          <a:lstStyle/>
+          <a:p>
+            <a:fld id="{428A7F57-8526-4A03-89D8-FFB0245E6649}" type="datetime1">
+              <a:rPr lang="ru-RU" smtClean="0"/>
+              <a:t>28.11.2022</a:t>
+            </a:fld>
+            <a:endParaRPr lang="en-US" dirty="0"/>
+          </a:p>
+        </p:txBody>
+      </p:sp>
+    </p:spTree>
+    <p:extLst>
+      <p:ext uri="{BB962C8B-B14F-4D97-AF65-F5344CB8AC3E}">
+        <p14:creationId xmlns:p14="http://schemas.microsoft.com/office/powerpoint/2010/main" val="489625015"/>
+      </p:ext>
+    </p:extLst>
+  </p:cSld>
+  <p:clrMapOvr>
+    <a:masterClrMapping/>
+  </p:clrMapOvr>
+</p:sld>
+</file>
+
+<file path=ppt/slides/slide5.xml><?xml version="1.0" encoding="utf-8"?>
+<p:sld xmlns:a="http://schemas.openxmlformats.org/drawingml/2006/main" xmlns:r="http://schemas.openxmlformats.org/officeDocument/2006/relationships" xmlns:p="http://schemas.openxmlformats.org/presentationml/2006/main">
+  <p:cSld>
+    <p:spTree>
+      <p:nvGrpSpPr>
+        <p:cNvPr id="1" name=""/>
+        <p:cNvGrpSpPr/>
+        <p:nvPr/>
+      </p:nvGrpSpPr>
+      <p:grpSpPr>
+        <a:xfrm>
+          <a:off x="0" y="0"/>
+          <a:ext cx="0" cy="0"/>
+          <a:chOff x="0" y="0"/>
+          <a:chExt cx="0" cy="0"/>
+        </a:xfrm>
+      </p:grpSpPr>
+      <p:sp>
+        <p:nvSpPr>
+          <p:cNvPr id="2" name="Заголовок 1">
+            <a:extLst>
+              <a:ext uri="{FF2B5EF4-FFF2-40B4-BE49-F238E27FC236}">
+                <a16:creationId xmlns:a16="http://schemas.microsoft.com/office/drawing/2014/main" id="{0970BF95-B8BB-49DD-157E-E2B00B9D4C30}"/>
+              </a:ext>
+            </a:extLst>
+          </p:cNvPr>
+          <p:cNvSpPr>
+            <a:spLocks noGrp="1"/>
+          </p:cNvSpPr>
+          <p:nvPr>
+            <p:ph type="title"/>
+          </p:nvPr>
+        </p:nvSpPr>
+        <p:spPr/>
+        <p:txBody>
+          <a:bodyPr/>
+          <a:lstStyle/>
+          <a:p>
+            <a:r>
+              <a:rPr lang="uk-UA" dirty="0"/>
+              <a:t>Функції менеджера процесів</a:t>
+            </a:r>
+          </a:p>
+        </p:txBody>
+      </p:sp>
+      <p:sp>
+        <p:nvSpPr>
+          <p:cNvPr id="3" name="Текст 2">
+            <a:extLst>
+              <a:ext uri="{FF2B5EF4-FFF2-40B4-BE49-F238E27FC236}">
+                <a16:creationId xmlns:a16="http://schemas.microsoft.com/office/drawing/2014/main" id="{6116A082-16CE-25B9-BA83-E79BF978C781}"/>
+              </a:ext>
+            </a:extLst>
+          </p:cNvPr>
+          <p:cNvSpPr>
+            <a:spLocks noGrp="1"/>
+          </p:cNvSpPr>
+          <p:nvPr>
+            <p:ph type="body" idx="1"/>
+          </p:nvPr>
+        </p:nvSpPr>
+        <p:spPr>
+          <a:xfrm>
+            <a:off x="1103313" y="1905000"/>
+            <a:ext cx="7847740" cy="576262"/>
+          </a:xfrm>
+        </p:spPr>
+        <p:txBody>
+          <a:bodyPr/>
+          <a:lstStyle/>
+          <a:p>
+            <a:r>
+              <a:rPr lang="uk-UA" dirty="0"/>
+              <a:t>Показує інформацію про процес</a:t>
+            </a:r>
+          </a:p>
+        </p:txBody>
+      </p:sp>
+      <p:sp>
+        <p:nvSpPr>
+          <p:cNvPr id="4" name="Объект 3">
+            <a:extLst>
+              <a:ext uri="{FF2B5EF4-FFF2-40B4-BE49-F238E27FC236}">
+                <a16:creationId xmlns:a16="http://schemas.microsoft.com/office/drawing/2014/main" id="{2E5BE58C-BA70-F1FC-CB72-721F864F4355}"/>
+              </a:ext>
+            </a:extLst>
+          </p:cNvPr>
+          <p:cNvSpPr>
+            <a:spLocks noGrp="1"/>
+          </p:cNvSpPr>
+          <p:nvPr>
+            <p:ph sz="half" idx="2"/>
+          </p:nvPr>
+        </p:nvSpPr>
+        <p:spPr>
+          <a:xfrm>
+            <a:off x="1103312" y="2514600"/>
+            <a:ext cx="8367859" cy="3741738"/>
+          </a:xfrm>
+        </p:spPr>
+        <p:txBody>
+          <a:bodyPr/>
+          <a:lstStyle/>
+          <a:p>
+            <a:r>
+              <a:rPr lang="en-US" sz="1800" dirty="0">
+                <a:solidFill>
+                  <a:srgbClr val="2B91AF"/>
+                </a:solidFill>
+                <a:latin typeface="Consolas" panose="020B0609020204030204" pitchFamily="49" charset="0"/>
+              </a:rPr>
+              <a:t>Process</a:t>
+            </a:r>
+            <a:r>
+              <a:rPr lang="en-US" sz="1800" dirty="0">
+                <a:solidFill>
+                  <a:srgbClr val="000000"/>
+                </a:solidFill>
+                <a:latin typeface="Consolas" panose="020B0609020204030204" pitchFamily="49" charset="0"/>
+              </a:rPr>
+              <a:t>::</a:t>
+            </a:r>
+            <a:r>
+              <a:rPr lang="en-US" sz="1800" dirty="0" err="1">
+                <a:solidFill>
+                  <a:srgbClr val="000000"/>
+                </a:solidFill>
+                <a:latin typeface="Consolas" panose="020B0609020204030204" pitchFamily="49" charset="0"/>
+              </a:rPr>
+              <a:t>isKillAtTheEnd</a:t>
+            </a:r>
+            <a:r>
+              <a:rPr lang="en-US" sz="1800" dirty="0">
+                <a:solidFill>
+                  <a:srgbClr val="000000"/>
+                </a:solidFill>
+                <a:latin typeface="Consolas" panose="020B0609020204030204" pitchFamily="49" charset="0"/>
+              </a:rPr>
+              <a:t>()</a:t>
+            </a:r>
+            <a:r>
+              <a:rPr lang="uk-UA" sz="1800" dirty="0">
+                <a:solidFill>
+                  <a:srgbClr val="000000"/>
+                </a:solidFill>
+                <a:latin typeface="Consolas" panose="020B0609020204030204" pitchFamily="49" charset="0"/>
+              </a:rPr>
+              <a:t> – </a:t>
+            </a:r>
+            <a:r>
+              <a:rPr lang="uk-UA" sz="1800" dirty="0">
+                <a:latin typeface="Consolas" panose="020B0609020204030204" pitchFamily="49" charset="0"/>
+              </a:rPr>
+              <a:t>завершити при закінченні програми </a:t>
+            </a:r>
+          </a:p>
+          <a:p>
+            <a:r>
+              <a:rPr lang="en-US" sz="1800" dirty="0">
+                <a:solidFill>
+                  <a:srgbClr val="2B91AF"/>
+                </a:solidFill>
+                <a:latin typeface="Consolas" panose="020B0609020204030204" pitchFamily="49" charset="0"/>
+              </a:rPr>
+              <a:t>Process</a:t>
+            </a:r>
+            <a:r>
+              <a:rPr lang="en-US" sz="1800" dirty="0">
+                <a:solidFill>
+                  <a:srgbClr val="000000"/>
+                </a:solidFill>
+                <a:latin typeface="Consolas" panose="020B0609020204030204" pitchFamily="49" charset="0"/>
+              </a:rPr>
+              <a:t>::</a:t>
+            </a:r>
+            <a:r>
+              <a:rPr lang="en-US" sz="1800" dirty="0" err="1">
+                <a:solidFill>
+                  <a:srgbClr val="000000"/>
+                </a:solidFill>
+                <a:latin typeface="Consolas" panose="020B0609020204030204" pitchFamily="49" charset="0"/>
+              </a:rPr>
+              <a:t>getMonitorId</a:t>
+            </a:r>
+            <a:r>
+              <a:rPr lang="en-US" sz="1800" dirty="0">
+                <a:solidFill>
+                  <a:srgbClr val="000000"/>
+                </a:solidFill>
+                <a:latin typeface="Consolas" panose="020B0609020204030204" pitchFamily="49" charset="0"/>
+              </a:rPr>
+              <a:t>() - </a:t>
+            </a:r>
+            <a:r>
+              <a:rPr lang="uk-UA" dirty="0">
+                <a:latin typeface="Consolas" panose="020B0609020204030204" pitchFamily="49" charset="0"/>
+              </a:rPr>
+              <a:t>номер перевірки</a:t>
+            </a:r>
+            <a:endParaRPr lang="uk-UA" sz="1800" dirty="0">
+              <a:latin typeface="Consolas" panose="020B0609020204030204" pitchFamily="49" charset="0"/>
+            </a:endParaRPr>
+          </a:p>
+          <a:p>
+            <a:r>
+              <a:rPr lang="en-US" sz="1800" dirty="0">
+                <a:solidFill>
+                  <a:srgbClr val="2B91AF"/>
+                </a:solidFill>
+                <a:latin typeface="Consolas" panose="020B0609020204030204" pitchFamily="49" charset="0"/>
+              </a:rPr>
+              <a:t>Process</a:t>
+            </a:r>
+            <a:r>
+              <a:rPr lang="en-US" sz="1800" dirty="0">
+                <a:solidFill>
+                  <a:srgbClr val="000000"/>
+                </a:solidFill>
+                <a:latin typeface="Consolas" panose="020B0609020204030204" pitchFamily="49" charset="0"/>
+              </a:rPr>
+              <a:t>::getProcessId()</a:t>
+            </a:r>
+            <a:r>
+              <a:rPr lang="uk-UA" sz="1800" dirty="0">
+                <a:solidFill>
+                  <a:srgbClr val="000000"/>
+                </a:solidFill>
+                <a:latin typeface="Consolas" panose="020B0609020204030204" pitchFamily="49" charset="0"/>
+              </a:rPr>
+              <a:t> – </a:t>
+            </a:r>
+            <a:r>
+              <a:rPr lang="uk-UA" sz="1800" dirty="0">
+                <a:latin typeface="Consolas" panose="020B0609020204030204" pitchFamily="49" charset="0"/>
+              </a:rPr>
+              <a:t>ідентифікатор процесу</a:t>
+            </a:r>
+            <a:endParaRPr lang="uk-UA" dirty="0">
+              <a:latin typeface="Consolas" panose="020B0609020204030204" pitchFamily="49" charset="0"/>
+            </a:endParaRPr>
+          </a:p>
+          <a:p>
+            <a:r>
+              <a:rPr lang="en-US" sz="1800" dirty="0">
+                <a:solidFill>
+                  <a:srgbClr val="2B91AF"/>
+                </a:solidFill>
+                <a:latin typeface="Consolas" panose="020B0609020204030204" pitchFamily="49" charset="0"/>
+              </a:rPr>
+              <a:t>Process</a:t>
+            </a:r>
+            <a:r>
+              <a:rPr lang="en-US" sz="1800" dirty="0">
+                <a:solidFill>
+                  <a:srgbClr val="000000"/>
+                </a:solidFill>
+                <a:latin typeface="Consolas" panose="020B0609020204030204" pitchFamily="49" charset="0"/>
+              </a:rPr>
+              <a:t>::</a:t>
+            </a:r>
+            <a:r>
+              <a:rPr lang="en-US" sz="1800" dirty="0" err="1">
+                <a:solidFill>
+                  <a:srgbClr val="000000"/>
+                </a:solidFill>
+                <a:latin typeface="Consolas" panose="020B0609020204030204" pitchFamily="49" charset="0"/>
+              </a:rPr>
+              <a:t>getProcessHandle</a:t>
+            </a:r>
+            <a:r>
+              <a:rPr lang="en-US" sz="1800" dirty="0">
+                <a:solidFill>
+                  <a:srgbClr val="000000"/>
+                </a:solidFill>
+                <a:latin typeface="Consolas" panose="020B0609020204030204" pitchFamily="49" charset="0"/>
+              </a:rPr>
+              <a:t>()</a:t>
+            </a:r>
+            <a:r>
+              <a:rPr lang="uk-UA" sz="1800" dirty="0">
+                <a:solidFill>
+                  <a:srgbClr val="000000"/>
+                </a:solidFill>
+                <a:latin typeface="Consolas" panose="020B0609020204030204" pitchFamily="49" charset="0"/>
+              </a:rPr>
+              <a:t> - </a:t>
+            </a:r>
+            <a:r>
+              <a:rPr lang="uk-UA" sz="1800" dirty="0" err="1">
+                <a:latin typeface="Consolas" panose="020B0609020204030204" pitchFamily="49" charset="0"/>
+              </a:rPr>
+              <a:t>дискриптор</a:t>
+            </a:r>
+            <a:endParaRPr lang="uk-UA" sz="1800" dirty="0">
+              <a:latin typeface="Consolas" panose="020B0609020204030204" pitchFamily="49" charset="0"/>
+            </a:endParaRPr>
+          </a:p>
+          <a:p>
+            <a:r>
+              <a:rPr lang="en-US" sz="1800" dirty="0">
+                <a:solidFill>
+                  <a:srgbClr val="2B91AF"/>
+                </a:solidFill>
+                <a:latin typeface="Consolas" panose="020B0609020204030204" pitchFamily="49" charset="0"/>
+              </a:rPr>
+              <a:t>Process</a:t>
+            </a:r>
+            <a:r>
+              <a:rPr lang="en-US" sz="1800" dirty="0">
+                <a:solidFill>
+                  <a:srgbClr val="000000"/>
+                </a:solidFill>
+                <a:latin typeface="Consolas" panose="020B0609020204030204" pitchFamily="49" charset="0"/>
+              </a:rPr>
+              <a:t>::</a:t>
+            </a:r>
+            <a:r>
+              <a:rPr lang="en-US" sz="1800" dirty="0" err="1">
+                <a:solidFill>
+                  <a:srgbClr val="000000"/>
+                </a:solidFill>
+                <a:latin typeface="Consolas" panose="020B0609020204030204" pitchFamily="49" charset="0"/>
+              </a:rPr>
+              <a:t>getCommandLine</a:t>
+            </a:r>
+            <a:r>
+              <a:rPr lang="en-US" sz="1800" dirty="0">
+                <a:solidFill>
+                  <a:srgbClr val="000000"/>
+                </a:solidFill>
+                <a:latin typeface="Consolas" panose="020B0609020204030204" pitchFamily="49" charset="0"/>
+              </a:rPr>
+              <a:t>()</a:t>
+            </a:r>
+            <a:r>
+              <a:rPr lang="uk-UA" sz="1800" dirty="0">
+                <a:solidFill>
+                  <a:srgbClr val="000000"/>
+                </a:solidFill>
+                <a:latin typeface="Consolas" panose="020B0609020204030204" pitchFamily="49" charset="0"/>
+              </a:rPr>
+              <a:t> – </a:t>
+            </a:r>
+            <a:r>
+              <a:rPr lang="uk-UA" sz="1800" dirty="0">
+                <a:latin typeface="Consolas" panose="020B0609020204030204" pitchFamily="49" charset="0"/>
+              </a:rPr>
+              <a:t>який процес відкритий</a:t>
+            </a:r>
+            <a:endParaRPr lang="uk-UA" dirty="0">
+              <a:latin typeface="Consolas" panose="020B0609020204030204" pitchFamily="49" charset="0"/>
+            </a:endParaRPr>
+          </a:p>
+          <a:p>
+            <a:r>
+              <a:rPr lang="en-US" sz="1800" dirty="0">
+                <a:solidFill>
+                  <a:srgbClr val="2B91AF"/>
+                </a:solidFill>
+                <a:latin typeface="Consolas" panose="020B0609020204030204" pitchFamily="49" charset="0"/>
+              </a:rPr>
+              <a:t>Process</a:t>
+            </a:r>
+            <a:r>
+              <a:rPr lang="en-US" sz="1800" dirty="0">
+                <a:solidFill>
+                  <a:srgbClr val="000000"/>
+                </a:solidFill>
+                <a:latin typeface="Consolas" panose="020B0609020204030204" pitchFamily="49" charset="0"/>
+              </a:rPr>
+              <a:t>::</a:t>
+            </a:r>
+            <a:r>
+              <a:rPr lang="en-US" sz="1800" dirty="0" err="1">
+                <a:solidFill>
+                  <a:srgbClr val="000000"/>
+                </a:solidFill>
+                <a:latin typeface="Consolas" panose="020B0609020204030204" pitchFamily="49" charset="0"/>
+              </a:rPr>
+              <a:t>getStatus</a:t>
+            </a:r>
+            <a:r>
+              <a:rPr lang="en-US" sz="1800" dirty="0">
+                <a:solidFill>
+                  <a:srgbClr val="000000"/>
+                </a:solidFill>
+                <a:latin typeface="Consolas" panose="020B0609020204030204" pitchFamily="49" charset="0"/>
+              </a:rPr>
+              <a:t>()</a:t>
+            </a:r>
+            <a:r>
+              <a:rPr lang="uk-UA" sz="1800" dirty="0">
+                <a:solidFill>
+                  <a:srgbClr val="000000"/>
+                </a:solidFill>
+                <a:latin typeface="Consolas" panose="020B0609020204030204" pitchFamily="49" charset="0"/>
+              </a:rPr>
+              <a:t> – </a:t>
+            </a:r>
+            <a:r>
+              <a:rPr lang="uk-UA" sz="1800" dirty="0">
+                <a:latin typeface="Consolas" panose="020B0609020204030204" pitchFamily="49" charset="0"/>
+              </a:rPr>
+              <a:t>статус роботи</a:t>
+            </a:r>
+          </a:p>
+          <a:p>
+            <a:r>
+              <a:rPr lang="en-US" sz="1800" dirty="0">
+                <a:solidFill>
+                  <a:srgbClr val="2B91AF"/>
+                </a:solidFill>
+                <a:latin typeface="Consolas" panose="020B0609020204030204" pitchFamily="49" charset="0"/>
+              </a:rPr>
+              <a:t>Process</a:t>
+            </a:r>
+            <a:r>
+              <a:rPr lang="en-US" sz="1800" dirty="0">
+                <a:solidFill>
+                  <a:srgbClr val="000000"/>
+                </a:solidFill>
+                <a:latin typeface="Consolas" panose="020B0609020204030204" pitchFamily="49" charset="0"/>
+              </a:rPr>
+              <a:t>::</a:t>
+            </a:r>
+            <a:r>
+              <a:rPr lang="en-US" sz="1800" dirty="0" err="1">
+                <a:solidFill>
+                  <a:srgbClr val="000000"/>
+                </a:solidFill>
+                <a:latin typeface="Consolas" panose="020B0609020204030204" pitchFamily="49" charset="0"/>
+              </a:rPr>
+              <a:t>getInfo</a:t>
+            </a:r>
+            <a:r>
+              <a:rPr lang="en-US" sz="1800" dirty="0">
+                <a:solidFill>
+                  <a:srgbClr val="000000"/>
+                </a:solidFill>
+                <a:latin typeface="Consolas" panose="020B0609020204030204" pitchFamily="49" charset="0"/>
+              </a:rPr>
+              <a:t>()</a:t>
+            </a:r>
+            <a:r>
+              <a:rPr lang="uk-UA" sz="1800" dirty="0">
+                <a:solidFill>
+                  <a:srgbClr val="000000"/>
+                </a:solidFill>
+                <a:latin typeface="Consolas" panose="020B0609020204030204" pitchFamily="49" charset="0"/>
+              </a:rPr>
+              <a:t> – </a:t>
+            </a:r>
+            <a:r>
+              <a:rPr lang="uk-UA" sz="1800" dirty="0">
+                <a:latin typeface="Consolas" panose="020B0609020204030204" pitchFamily="49" charset="0"/>
+              </a:rPr>
+              <a:t>показує все вище </a:t>
+            </a:r>
+            <a:r>
+              <a:rPr lang="uk-UA" sz="1800" dirty="0" err="1">
+                <a:latin typeface="Consolas" panose="020B0609020204030204" pitchFamily="49" charset="0"/>
+              </a:rPr>
+              <a:t>перечислене</a:t>
+            </a:r>
+            <a:r>
+              <a:rPr lang="uk-UA" sz="1800" dirty="0">
+                <a:latin typeface="Consolas" panose="020B0609020204030204" pitchFamily="49" charset="0"/>
+              </a:rPr>
+              <a:t> </a:t>
+            </a:r>
+            <a:endParaRPr lang="uk-UA" dirty="0">
+              <a:latin typeface="Consolas" panose="020B0609020204030204" pitchFamily="49" charset="0"/>
+            </a:endParaRPr>
+          </a:p>
+          <a:p>
+            <a:r>
+              <a:rPr lang="en-US" sz="1800" dirty="0">
+                <a:solidFill>
+                  <a:srgbClr val="2B91AF"/>
+                </a:solidFill>
+                <a:latin typeface="Consolas" panose="020B0609020204030204" pitchFamily="49" charset="0"/>
+              </a:rPr>
+              <a:t>Process</a:t>
+            </a:r>
+            <a:r>
+              <a:rPr lang="en-US" sz="1800" dirty="0">
+                <a:solidFill>
+                  <a:srgbClr val="000000"/>
+                </a:solidFill>
+                <a:latin typeface="Consolas" panose="020B0609020204030204" pitchFamily="49" charset="0"/>
+              </a:rPr>
+              <a:t>::</a:t>
+            </a:r>
+            <a:r>
+              <a:rPr lang="en-US" sz="1800" dirty="0" err="1">
+                <a:solidFill>
+                  <a:srgbClr val="000000"/>
+                </a:solidFill>
+                <a:latin typeface="Consolas" panose="020B0609020204030204" pitchFamily="49" charset="0"/>
+              </a:rPr>
+              <a:t>getLoggerInfo</a:t>
+            </a:r>
+            <a:r>
+              <a:rPr lang="en-US" sz="1800" dirty="0">
+                <a:solidFill>
+                  <a:srgbClr val="000000"/>
+                </a:solidFill>
+                <a:latin typeface="Consolas" panose="020B0609020204030204" pitchFamily="49" charset="0"/>
+              </a:rPr>
+              <a:t>()</a:t>
+            </a:r>
+            <a:r>
+              <a:rPr lang="ru-RU" sz="1800" dirty="0">
+                <a:solidFill>
+                  <a:srgbClr val="000000"/>
+                </a:solidFill>
+                <a:latin typeface="Consolas" panose="020B0609020204030204" pitchFamily="49" charset="0"/>
+              </a:rPr>
+              <a:t> – </a:t>
+            </a:r>
+            <a:r>
+              <a:rPr lang="ru-RU" sz="1800" dirty="0" err="1">
+                <a:latin typeface="Consolas" panose="020B0609020204030204" pitchFamily="49" charset="0"/>
+              </a:rPr>
+              <a:t>поточний</a:t>
+            </a:r>
+            <a:r>
+              <a:rPr lang="ru-RU" sz="1800" dirty="0">
+                <a:latin typeface="Consolas" panose="020B0609020204030204" pitchFamily="49" charset="0"/>
+              </a:rPr>
+              <a:t> файл</a:t>
+            </a:r>
+            <a:endParaRPr lang="uk-UA" dirty="0"/>
+          </a:p>
+        </p:txBody>
+      </p:sp>
+      <p:sp>
+        <p:nvSpPr>
+          <p:cNvPr id="7" name="Дата 6">
+            <a:extLst>
+              <a:ext uri="{FF2B5EF4-FFF2-40B4-BE49-F238E27FC236}">
+                <a16:creationId xmlns:a16="http://schemas.microsoft.com/office/drawing/2014/main" id="{3B2BFB46-7E63-2F15-AE2E-C056575C786A}"/>
+              </a:ext>
+            </a:extLst>
+          </p:cNvPr>
+          <p:cNvSpPr>
+            <a:spLocks noGrp="1"/>
+          </p:cNvSpPr>
+          <p:nvPr>
+            <p:ph type="dt" sz="half" idx="10"/>
+          </p:nvPr>
+        </p:nvSpPr>
+        <p:spPr/>
+        <p:txBody>
+          <a:bodyPr/>
+          <a:lstStyle/>
+          <a:p>
+            <a:pPr rtl="0"/>
+            <a:fld id="{17CF7452-61A3-4CDC-ACAB-74E5B4A7EF57}" type="datetime1">
+              <a:rPr lang="ru-RU" smtClean="0"/>
+              <a:t>28.11.2022</a:t>
+            </a:fld>
+            <a:endParaRPr lang="en-US" dirty="0"/>
+          </a:p>
+        </p:txBody>
+      </p:sp>
+    </p:spTree>
+    <p:extLst>
+      <p:ext uri="{BB962C8B-B14F-4D97-AF65-F5344CB8AC3E}">
+        <p14:creationId xmlns:p14="http://schemas.microsoft.com/office/powerpoint/2010/main" val="3839737651"/>
+      </p:ext>
+    </p:extLst>
+  </p:cSld>
+  <p:clrMapOvr>
+    <a:masterClrMapping/>
+  </p:clrMapOvr>
+</p:sld>
+</file>
+
+<file path=ppt/slides/slide6.xml><?xml version="1.0" encoding="utf-8"?>
 <p:sld xmlns:a="http://schemas.openxmlformats.org/drawingml/2006/main" xmlns:r="http://schemas.openxmlformats.org/officeDocument/2006/relationships" xmlns:p="http://schemas.openxmlformats.org/presentationml/2006/main">
   <p:cSld>
     <p:spTree>
@@ -7813,7 +8704,7 @@
 </p:sld>
 </file>
 
-<file path=ppt/slides/slide5.xml><?xml version="1.0" encoding="utf-8"?>
+<file path=ppt/slides/slide7.xml><?xml version="1.0" encoding="utf-8"?>
 <p:sld xmlns:a="http://schemas.openxmlformats.org/drawingml/2006/main" xmlns:r="http://schemas.openxmlformats.org/officeDocument/2006/relationships" xmlns:p="http://schemas.openxmlformats.org/presentationml/2006/main">
   <p:cSld>
     <p:spTree>
@@ -7950,7 +8841,7 @@
 </p:sld>
 </file>
 
-<file path=ppt/slides/slide6.xml><?xml version="1.0" encoding="utf-8"?>
+<file path=ppt/slides/slide8.xml><?xml version="1.0" encoding="utf-8"?>
 <p:sld xmlns:a="http://schemas.openxmlformats.org/drawingml/2006/main" xmlns:r="http://schemas.openxmlformats.org/officeDocument/2006/relationships" xmlns:p="http://schemas.openxmlformats.org/presentationml/2006/main">
   <p:cSld>
     <p:spTree>
